--- a/img/Unterrichtsqualitaet.pptx
+++ b/img/Unterrichtsqualitaet.pptx
@@ -210,7 +210,7 @@
           <a:p>
             <a:fld id="{152254E1-2FEB-CF4A-A77C-C328626059BA}" type="datetimeFigureOut">
               <a:rPr lang="de-DE" smtClean="0"/>
-              <a:t>04.10.22</a:t>
+              <a:t>10.10.22</a:t>
             </a:fld>
             <a:endParaRPr/>
           </a:p>
@@ -602,7 +602,7 @@
           <a:p>
             <a:fld id="{4D3F6C09-65AC-C84F-BB0E-1B450616C0C3}" type="datetimeFigureOut">
               <a:rPr lang="de-DE" smtClean="0"/>
-              <a:t>04.10.22</a:t>
+              <a:t>10.10.22</a:t>
             </a:fld>
             <a:endParaRPr lang="de-DE"/>
           </a:p>
@@ -777,7 +777,7 @@
           <a:p>
             <a:fld id="{4D3F6C09-65AC-C84F-BB0E-1B450616C0C3}" type="datetimeFigureOut">
               <a:rPr lang="de-DE" smtClean="0"/>
-              <a:t>04.10.22</a:t>
+              <a:t>10.10.22</a:t>
             </a:fld>
             <a:endParaRPr lang="de-DE"/>
           </a:p>
@@ -962,7 +962,7 @@
           <a:p>
             <a:fld id="{4D3F6C09-65AC-C84F-BB0E-1B450616C0C3}" type="datetimeFigureOut">
               <a:rPr lang="de-DE" smtClean="0"/>
-              <a:t>04.10.22</a:t>
+              <a:t>10.10.22</a:t>
             </a:fld>
             <a:endParaRPr lang="de-DE"/>
           </a:p>
@@ -1137,7 +1137,7 @@
           <a:p>
             <a:fld id="{4D3F6C09-65AC-C84F-BB0E-1B450616C0C3}" type="datetimeFigureOut">
               <a:rPr lang="de-DE" smtClean="0"/>
-              <a:t>04.10.22</a:t>
+              <a:t>10.10.22</a:t>
             </a:fld>
             <a:endParaRPr lang="de-DE"/>
           </a:p>
@@ -1417,7 +1417,7 @@
           <a:p>
             <a:fld id="{4D3F6C09-65AC-C84F-BB0E-1B450616C0C3}" type="datetimeFigureOut">
               <a:rPr lang="de-DE" smtClean="0"/>
-              <a:t>04.10.22</a:t>
+              <a:t>10.10.22</a:t>
             </a:fld>
             <a:endParaRPr lang="de-DE"/>
           </a:p>
@@ -1635,7 +1635,7 @@
           <a:p>
             <a:fld id="{4D3F6C09-65AC-C84F-BB0E-1B450616C0C3}" type="datetimeFigureOut">
               <a:rPr lang="de-DE" smtClean="0"/>
-              <a:t>04.10.22</a:t>
+              <a:t>10.10.22</a:t>
             </a:fld>
             <a:endParaRPr lang="de-DE"/>
           </a:p>
@@ -2008,7 +2008,7 @@
           <a:p>
             <a:fld id="{4D3F6C09-65AC-C84F-BB0E-1B450616C0C3}" type="datetimeFigureOut">
               <a:rPr lang="de-DE" smtClean="0"/>
-              <a:t>04.10.22</a:t>
+              <a:t>10.10.22</a:t>
             </a:fld>
             <a:endParaRPr lang="de-DE"/>
           </a:p>
@@ -2150,7 +2150,7 @@
           <a:p>
             <a:fld id="{4D3F6C09-65AC-C84F-BB0E-1B450616C0C3}" type="datetimeFigureOut">
               <a:rPr lang="de-DE" smtClean="0"/>
-              <a:t>04.10.22</a:t>
+              <a:t>10.10.22</a:t>
             </a:fld>
             <a:endParaRPr lang="de-DE"/>
           </a:p>
@@ -2263,7 +2263,7 @@
           <a:p>
             <a:fld id="{4D3F6C09-65AC-C84F-BB0E-1B450616C0C3}" type="datetimeFigureOut">
               <a:rPr lang="de-DE" smtClean="0"/>
-              <a:t>04.10.22</a:t>
+              <a:t>10.10.22</a:t>
             </a:fld>
             <a:endParaRPr lang="de-DE"/>
           </a:p>
@@ -2555,7 +2555,7 @@
           <a:p>
             <a:fld id="{4D3F6C09-65AC-C84F-BB0E-1B450616C0C3}" type="datetimeFigureOut">
               <a:rPr lang="de-DE" smtClean="0"/>
-              <a:t>04.10.22</a:t>
+              <a:t>10.10.22</a:t>
             </a:fld>
             <a:endParaRPr lang="de-DE"/>
           </a:p>
@@ -2848,7 +2848,7 @@
           <a:p>
             <a:fld id="{4D3F6C09-65AC-C84F-BB0E-1B450616C0C3}" type="datetimeFigureOut">
               <a:rPr lang="de-DE" smtClean="0"/>
-              <a:t>04.10.22</a:t>
+              <a:t>10.10.22</a:t>
             </a:fld>
             <a:endParaRPr lang="de-DE"/>
           </a:p>
@@ -3066,7 +3066,7 @@
           <a:p>
             <a:fld id="{4D3F6C09-65AC-C84F-BB0E-1B450616C0C3}" type="datetimeFigureOut">
               <a:rPr lang="de-DE" smtClean="0"/>
-              <a:t>04.10.22</a:t>
+              <a:t>10.10.22</a:t>
             </a:fld>
             <a:endParaRPr/>
           </a:p>
@@ -9318,7 +9318,7 @@
                 <a:ea typeface="Roboto Condensed" panose="02000000000000000000" pitchFamily="2" charset="0"/>
                 <a:cs typeface="Roboto Condensed" panose="02000000000000000000" pitchFamily="2" charset="0"/>
               </a:rPr>
-              <a:t>“an sich“ -</a:t>
+              <a:t>„an sich“ -</a:t>
             </a:r>
           </a:p>
           <a:p>
@@ -11242,6 +11242,17 @@
           <a:p>
             <a:pPr algn="ctr"/>
             <a:r>
+              <a:rPr lang="de-DE" sz="1300" dirty="0" err="1">
+                <a:solidFill>
+                  <a:schemeClr val="bg1"/>
+                </a:solidFill>
+                <a:latin typeface="Roboto Condensed" panose="02000000000000000000" pitchFamily="2" charset="0"/>
+                <a:ea typeface="Roboto Condensed" panose="02000000000000000000" pitchFamily="2" charset="0"/>
+                <a:cs typeface="Roboto Condensed" panose="02000000000000000000" pitchFamily="2" charset="0"/>
+              </a:rPr>
+              <a:t>geisteswiss</a:t>
+            </a:r>
+            <a:r>
               <a:rPr lang="de-DE" sz="1300" dirty="0">
                 <a:solidFill>
                   <a:schemeClr val="bg1"/>
@@ -11250,7 +11261,7 @@
                 <a:ea typeface="Roboto Condensed" panose="02000000000000000000" pitchFamily="2" charset="0"/>
                 <a:cs typeface="Roboto Condensed" panose="02000000000000000000" pitchFamily="2" charset="0"/>
               </a:rPr>
-              <a:t>theoretische Forschung</a:t>
+              <a:t>. Forschung</a:t>
             </a:r>
             <a:endParaRPr sz="1300" dirty="0">
               <a:solidFill>
